--- a/Azure_Functions.pptx
+++ b/Azure_Functions.pptx
@@ -986,402 +986,6 @@
               <a:buFontTx/>
               <a:buNone/>
             </a:pPr>
-            <a:r>
-              <a:rPr lang="en-US" dirty="0"/>
-              <a:t>Triggers: </a:t>
-            </a:r>
-            <a:r>
-              <a:rPr lang="en-US" dirty="0" err="1"/>
-              <a:t>Là</a:t>
-            </a:r>
-            <a:r>
-              <a:rPr lang="en-US" dirty="0"/>
-              <a:t> </a:t>
-            </a:r>
-            <a:r>
-              <a:rPr lang="en-US" dirty="0" err="1"/>
-              <a:t>cách</a:t>
-            </a:r>
-            <a:r>
-              <a:rPr lang="en-US" dirty="0"/>
-              <a:t> </a:t>
-            </a:r>
-            <a:r>
-              <a:rPr lang="en-US" dirty="0" err="1"/>
-              <a:t>mà</a:t>
-            </a:r>
-            <a:r>
-              <a:rPr lang="en-US" dirty="0"/>
-              <a:t> </a:t>
-            </a:r>
-            <a:r>
-              <a:rPr lang="en-US" dirty="0" err="1"/>
-              <a:t>các</a:t>
-            </a:r>
-            <a:r>
-              <a:rPr lang="en-US" dirty="0"/>
-              <a:t> function </a:t>
-            </a:r>
-            <a:r>
-              <a:rPr lang="en-US" dirty="0" err="1"/>
-              <a:t>sẽ</a:t>
-            </a:r>
-            <a:r>
-              <a:rPr lang="en-US" dirty="0"/>
-              <a:t> đ</a:t>
-            </a:r>
-            <a:r>
-              <a:rPr lang="vi-VN" dirty="0"/>
-              <a:t>ư</a:t>
-            </a:r>
-            <a:r>
-              <a:rPr lang="en-US" dirty="0" err="1"/>
-              <a:t>ợc</a:t>
-            </a:r>
-            <a:r>
-              <a:rPr lang="en-US" dirty="0"/>
-              <a:t> </a:t>
-            </a:r>
-            <a:r>
-              <a:rPr lang="en-US" dirty="0" err="1"/>
-              <a:t>excuted</a:t>
-            </a:r>
-            <a:r>
-              <a:rPr lang="en-US" dirty="0"/>
-              <a:t> =&gt; </a:t>
-            </a:r>
-            <a:r>
-              <a:rPr lang="en-US" dirty="0" err="1"/>
-              <a:t>Ví</a:t>
-            </a:r>
-            <a:r>
-              <a:rPr lang="en-US" dirty="0"/>
-              <a:t> </a:t>
-            </a:r>
-            <a:r>
-              <a:rPr lang="en-US" dirty="0" err="1"/>
-              <a:t>dụ</a:t>
-            </a:r>
-            <a:r>
-              <a:rPr lang="en-US" dirty="0"/>
-              <a:t> </a:t>
-            </a:r>
-            <a:r>
-              <a:rPr lang="en-US" dirty="0" err="1"/>
-              <a:t>nh</a:t>
-            </a:r>
-            <a:r>
-              <a:rPr lang="vi-VN" dirty="0"/>
-              <a:t>ư</a:t>
-            </a:r>
-            <a:r>
-              <a:rPr lang="en-US" dirty="0"/>
-              <a:t> </a:t>
-            </a:r>
-            <a:r>
-              <a:rPr lang="en-US" dirty="0" err="1"/>
-              <a:t>khi</a:t>
-            </a:r>
-            <a:r>
-              <a:rPr lang="en-US" dirty="0"/>
-              <a:t> 1 http đ</a:t>
-            </a:r>
-            <a:r>
-              <a:rPr lang="vi-VN" dirty="0"/>
-              <a:t>ư</a:t>
-            </a:r>
-            <a:r>
-              <a:rPr lang="en-US" dirty="0" err="1"/>
-              <a:t>ợc</a:t>
-            </a:r>
-            <a:r>
-              <a:rPr lang="en-US" dirty="0"/>
-              <a:t> call, 1 message đ</a:t>
-            </a:r>
-            <a:r>
-              <a:rPr lang="vi-VN" dirty="0"/>
-              <a:t>ư</a:t>
-            </a:r>
-            <a:r>
-              <a:rPr lang="en-US" dirty="0" err="1"/>
-              <a:t>ợc</a:t>
-            </a:r>
-            <a:r>
-              <a:rPr lang="en-US" dirty="0"/>
-              <a:t> </a:t>
-            </a:r>
-            <a:r>
-              <a:rPr lang="en-US" dirty="0" err="1"/>
-              <a:t>gửi</a:t>
-            </a:r>
-            <a:r>
-              <a:rPr lang="en-US" dirty="0"/>
-              <a:t> </a:t>
-            </a:r>
-            <a:r>
-              <a:rPr lang="en-US" dirty="0" err="1"/>
-              <a:t>vào</a:t>
-            </a:r>
-            <a:r>
-              <a:rPr lang="en-US" dirty="0"/>
-              <a:t> queue…</a:t>
-            </a:r>
-          </a:p>
-          <a:p>
-            <a:pPr marL="0" lvl="0" indent="0" algn="l" rtl="0">
-              <a:spcBef>
-                <a:spcPts val="0"/>
-              </a:spcBef>
-              <a:spcAft>
-                <a:spcPts val="0"/>
-              </a:spcAft>
-              <a:buFontTx/>
-              <a:buNone/>
-            </a:pPr>
-            <a:r>
-              <a:rPr lang="en-US" dirty="0"/>
-              <a:t>Bindings: </a:t>
-            </a:r>
-            <a:r>
-              <a:rPr lang="en-US" dirty="0" err="1"/>
-              <a:t>Là</a:t>
-            </a:r>
-            <a:r>
-              <a:rPr lang="en-US" dirty="0"/>
-              <a:t> </a:t>
-            </a:r>
-            <a:r>
-              <a:rPr lang="en-US" dirty="0" err="1"/>
-              <a:t>kết</a:t>
-            </a:r>
-            <a:r>
-              <a:rPr lang="en-US" dirty="0"/>
-              <a:t> </a:t>
-            </a:r>
-            <a:r>
-              <a:rPr lang="en-US" dirty="0" err="1"/>
-              <a:t>nối</a:t>
-            </a:r>
-            <a:r>
-              <a:rPr lang="en-US" dirty="0"/>
-              <a:t> </a:t>
-            </a:r>
-            <a:r>
-              <a:rPr lang="en-US" dirty="0" err="1"/>
-              <a:t>đến</a:t>
-            </a:r>
-            <a:r>
-              <a:rPr lang="en-US" dirty="0"/>
-              <a:t> data </a:t>
-            </a:r>
-            <a:r>
-              <a:rPr lang="en-US" dirty="0" err="1"/>
-              <a:t>trong</a:t>
-            </a:r>
-            <a:r>
-              <a:rPr lang="en-US" dirty="0"/>
-              <a:t> </a:t>
-            </a:r>
-            <a:r>
-              <a:rPr lang="en-US" dirty="0" err="1"/>
-              <a:t>các</a:t>
-            </a:r>
-            <a:r>
-              <a:rPr lang="en-US" dirty="0"/>
-              <a:t> functions. </a:t>
-            </a:r>
-            <a:r>
-              <a:rPr lang="en-US" dirty="0" err="1"/>
-              <a:t>Nó</a:t>
-            </a:r>
-            <a:r>
-              <a:rPr lang="en-US" dirty="0"/>
-              <a:t> </a:t>
-            </a:r>
-            <a:r>
-              <a:rPr lang="en-US" dirty="0" err="1"/>
-              <a:t>là</a:t>
-            </a:r>
-            <a:r>
-              <a:rPr lang="en-US" dirty="0"/>
-              <a:t> </a:t>
-            </a:r>
-            <a:r>
-              <a:rPr lang="en-US" dirty="0" err="1"/>
-              <a:t>một</a:t>
-            </a:r>
-            <a:r>
-              <a:rPr lang="en-US" dirty="0"/>
-              <a:t> option </a:t>
-            </a:r>
-            <a:r>
-              <a:rPr lang="en-US" dirty="0" err="1"/>
-              <a:t>trong</a:t>
-            </a:r>
-            <a:r>
-              <a:rPr lang="en-US" dirty="0"/>
-              <a:t> </a:t>
-            </a:r>
-            <a:r>
-              <a:rPr lang="en-US" dirty="0" err="1"/>
-              <a:t>định</a:t>
-            </a:r>
-            <a:r>
-              <a:rPr lang="en-US" dirty="0"/>
-              <a:t> </a:t>
-            </a:r>
-            <a:r>
-              <a:rPr lang="en-US" dirty="0" err="1"/>
-              <a:t>dạng</a:t>
-            </a:r>
-            <a:r>
-              <a:rPr lang="en-US" dirty="0"/>
-              <a:t> </a:t>
-            </a:r>
-            <a:r>
-              <a:rPr lang="en-US" dirty="0" err="1"/>
-              <a:t>của</a:t>
-            </a:r>
-            <a:r>
-              <a:rPr lang="en-US" dirty="0"/>
-              <a:t> input </a:t>
-            </a:r>
-            <a:r>
-              <a:rPr lang="en-US" dirty="0" err="1"/>
-              <a:t>và</a:t>
-            </a:r>
-            <a:r>
-              <a:rPr lang="en-US" dirty="0"/>
-              <a:t> output </a:t>
-            </a:r>
-            <a:r>
-              <a:rPr lang="en-US" dirty="0" err="1"/>
-              <a:t>của</a:t>
-            </a:r>
-            <a:r>
-              <a:rPr lang="en-US" dirty="0"/>
-              <a:t> function. (</a:t>
-            </a:r>
-            <a:r>
-              <a:rPr lang="en-US" dirty="0" err="1"/>
-              <a:t>Ví</a:t>
-            </a:r>
-            <a:r>
-              <a:rPr lang="en-US" dirty="0"/>
-              <a:t> </a:t>
-            </a:r>
-            <a:r>
-              <a:rPr lang="en-US" dirty="0" err="1"/>
-              <a:t>dụ</a:t>
-            </a:r>
-            <a:r>
-              <a:rPr lang="en-US" dirty="0"/>
-              <a:t>: Data input </a:t>
-            </a:r>
-            <a:r>
-              <a:rPr lang="en-US" dirty="0" err="1"/>
-              <a:t>là</a:t>
-            </a:r>
-            <a:r>
-              <a:rPr lang="en-US" dirty="0"/>
-              <a:t> </a:t>
-            </a:r>
-            <a:r>
-              <a:rPr lang="en-US" dirty="0" err="1"/>
-              <a:t>dữ</a:t>
-            </a:r>
-            <a:r>
-              <a:rPr lang="en-US" dirty="0"/>
-              <a:t> </a:t>
-            </a:r>
-            <a:r>
-              <a:rPr lang="en-US" dirty="0" err="1"/>
-              <a:t>liệu</a:t>
-            </a:r>
-            <a:r>
-              <a:rPr lang="en-US" dirty="0"/>
-              <a:t> </a:t>
-            </a:r>
-            <a:r>
-              <a:rPr lang="en-US" dirty="0" err="1"/>
-              <a:t>đến</a:t>
-            </a:r>
-            <a:r>
-              <a:rPr lang="en-US" dirty="0"/>
-              <a:t> </a:t>
-            </a:r>
-            <a:r>
-              <a:rPr lang="en-US" dirty="0" err="1"/>
-              <a:t>từ</a:t>
-            </a:r>
-            <a:r>
-              <a:rPr lang="en-US" dirty="0"/>
-              <a:t> </a:t>
-            </a:r>
-            <a:r>
-              <a:rPr lang="en-US" dirty="0" err="1"/>
-              <a:t>nội</a:t>
-            </a:r>
-            <a:r>
-              <a:rPr lang="en-US" dirty="0"/>
-              <a:t> dung message </a:t>
-            </a:r>
-            <a:r>
-              <a:rPr lang="en-US" dirty="0" err="1"/>
-              <a:t>trong</a:t>
-            </a:r>
-            <a:r>
-              <a:rPr lang="en-US" dirty="0"/>
-              <a:t> queue, output </a:t>
-            </a:r>
-            <a:r>
-              <a:rPr lang="en-US" dirty="0" err="1"/>
-              <a:t>là</a:t>
-            </a:r>
-            <a:r>
-              <a:rPr lang="en-US" dirty="0"/>
-              <a:t> record </a:t>
-            </a:r>
-            <a:r>
-              <a:rPr lang="en-US" dirty="0" err="1"/>
-              <a:t>trong</a:t>
-            </a:r>
-            <a:r>
-              <a:rPr lang="en-US" dirty="0"/>
-              <a:t> cosmos)</a:t>
-            </a:r>
-            <a:br>
-              <a:rPr lang="en-US" dirty="0"/>
-            </a:br>
-            <a:r>
-              <a:rPr lang="en-US" dirty="0"/>
-              <a:t>*</a:t>
-            </a:r>
-            <a:r>
-              <a:rPr lang="en-US" sz="1100" b="0" i="1" u="none" strike="noStrike" cap="none" dirty="0">
-                <a:solidFill>
-                  <a:srgbClr val="000000"/>
-                </a:solidFill>
-                <a:effectLst/>
-                <a:latin typeface="Arial"/>
-                <a:ea typeface="Arial"/>
-                <a:cs typeface="Arial"/>
-                <a:sym typeface="Arial"/>
-              </a:rPr>
-              <a:t>Unlike a trigger, a function can have multiple input and output bindings. </a:t>
-            </a:r>
-          </a:p>
-          <a:p>
-            <a:pPr marL="0" lvl="0" indent="0" algn="l" rtl="0">
-              <a:spcBef>
-                <a:spcPts val="0"/>
-              </a:spcBef>
-              <a:spcAft>
-                <a:spcPts val="0"/>
-              </a:spcAft>
-              <a:buFontTx/>
-              <a:buNone/>
-            </a:pPr>
             <a:endParaRPr lang="en-US" sz="1100" b="0" i="1" u="none" strike="noStrike" cap="none" dirty="0">
               <a:solidFill>
                 <a:srgbClr val="000000"/>
@@ -1392,421 +996,6 @@
               <a:cs typeface="Arial"/>
               <a:sym typeface="Arial"/>
             </a:endParaRPr>
-          </a:p>
-          <a:p>
-            <a:pPr marL="0" lvl="0" indent="0" algn="l" rtl="0">
-              <a:spcBef>
-                <a:spcPts val="0"/>
-              </a:spcBef>
-              <a:spcAft>
-                <a:spcPts val="0"/>
-              </a:spcAft>
-              <a:buFontTx/>
-              <a:buNone/>
-            </a:pPr>
-            <a:r>
-              <a:rPr lang="en-US" sz="1100" b="0" i="1" u="none" strike="noStrike" cap="none" dirty="0">
-                <a:solidFill>
-                  <a:srgbClr val="000000"/>
-                </a:solidFill>
-                <a:effectLst/>
-                <a:latin typeface="Arial"/>
-                <a:ea typeface="Arial"/>
-                <a:cs typeface="Arial"/>
-                <a:sym typeface="Arial"/>
-              </a:rPr>
-              <a:t>=&gt; </a:t>
-            </a:r>
-            <a:r>
-              <a:rPr lang="en-US" sz="1100" b="0" i="1" u="none" strike="noStrike" cap="none" dirty="0" err="1">
-                <a:solidFill>
-                  <a:srgbClr val="000000"/>
-                </a:solidFill>
-                <a:effectLst/>
-                <a:latin typeface="Arial"/>
-                <a:ea typeface="Arial"/>
-                <a:cs typeface="Arial"/>
-                <a:sym typeface="Arial"/>
-              </a:rPr>
-              <a:t>Vì</a:t>
-            </a:r>
-            <a:r>
-              <a:rPr lang="en-US" sz="1100" b="0" i="1" u="none" strike="noStrike" cap="none" dirty="0">
-                <a:solidFill>
-                  <a:srgbClr val="000000"/>
-                </a:solidFill>
-                <a:effectLst/>
-                <a:latin typeface="Arial"/>
-                <a:ea typeface="Arial"/>
-                <a:cs typeface="Arial"/>
-                <a:sym typeface="Arial"/>
-              </a:rPr>
-              <a:t> bindings </a:t>
-            </a:r>
-            <a:r>
-              <a:rPr lang="en-US" sz="1100" b="0" i="1" u="none" strike="noStrike" cap="none" dirty="0" err="1">
-                <a:solidFill>
-                  <a:srgbClr val="000000"/>
-                </a:solidFill>
-                <a:effectLst/>
-                <a:latin typeface="Arial"/>
-                <a:ea typeface="Arial"/>
-                <a:cs typeface="Arial"/>
-                <a:sym typeface="Arial"/>
-              </a:rPr>
-              <a:t>chỉ</a:t>
-            </a:r>
-            <a:r>
-              <a:rPr lang="en-US" sz="1100" b="0" i="1" u="none" strike="noStrike" cap="none" dirty="0">
-                <a:solidFill>
-                  <a:srgbClr val="000000"/>
-                </a:solidFill>
-                <a:effectLst/>
-                <a:latin typeface="Arial"/>
-                <a:ea typeface="Arial"/>
-                <a:cs typeface="Arial"/>
-                <a:sym typeface="Arial"/>
-              </a:rPr>
-              <a:t> </a:t>
-            </a:r>
-            <a:r>
-              <a:rPr lang="en-US" sz="1100" b="0" i="1" u="none" strike="noStrike" cap="none" dirty="0" err="1">
-                <a:solidFill>
-                  <a:srgbClr val="000000"/>
-                </a:solidFill>
-                <a:effectLst/>
-                <a:latin typeface="Arial"/>
-                <a:ea typeface="Arial"/>
-                <a:cs typeface="Arial"/>
-                <a:sym typeface="Arial"/>
-              </a:rPr>
-              <a:t>là</a:t>
-            </a:r>
-            <a:r>
-              <a:rPr lang="en-US" sz="1100" b="0" i="1" u="none" strike="noStrike" cap="none" dirty="0">
-                <a:solidFill>
-                  <a:srgbClr val="000000"/>
-                </a:solidFill>
-                <a:effectLst/>
-                <a:latin typeface="Arial"/>
-                <a:ea typeface="Arial"/>
-                <a:cs typeface="Arial"/>
-                <a:sym typeface="Arial"/>
-              </a:rPr>
-              <a:t> optional </a:t>
-            </a:r>
-            <a:r>
-              <a:rPr lang="en-US" sz="1100" b="0" i="1" u="none" strike="noStrike" cap="none" dirty="0" err="1">
-                <a:solidFill>
-                  <a:srgbClr val="000000"/>
-                </a:solidFill>
-                <a:effectLst/>
-                <a:latin typeface="Arial"/>
-                <a:ea typeface="Arial"/>
-                <a:cs typeface="Arial"/>
-                <a:sym typeface="Arial"/>
-              </a:rPr>
-              <a:t>vì</a:t>
-            </a:r>
-            <a:r>
-              <a:rPr lang="en-US" sz="1100" b="0" i="1" u="none" strike="noStrike" cap="none" dirty="0">
-                <a:solidFill>
-                  <a:srgbClr val="000000"/>
-                </a:solidFill>
-                <a:effectLst/>
-                <a:latin typeface="Arial"/>
-                <a:ea typeface="Arial"/>
-                <a:cs typeface="Arial"/>
-                <a:sym typeface="Arial"/>
-              </a:rPr>
-              <a:t> </a:t>
-            </a:r>
-            <a:r>
-              <a:rPr lang="en-US" sz="1100" b="0" i="1" u="none" strike="noStrike" cap="none" dirty="0" err="1">
-                <a:solidFill>
-                  <a:srgbClr val="000000"/>
-                </a:solidFill>
-                <a:effectLst/>
-                <a:latin typeface="Arial"/>
-                <a:ea typeface="Arial"/>
-                <a:cs typeface="Arial"/>
-                <a:sym typeface="Arial"/>
-              </a:rPr>
-              <a:t>thế</a:t>
-            </a:r>
-            <a:r>
-              <a:rPr lang="en-US" sz="1100" b="0" i="1" u="none" strike="noStrike" cap="none" dirty="0">
-                <a:solidFill>
-                  <a:srgbClr val="000000"/>
-                </a:solidFill>
-                <a:effectLst/>
-                <a:latin typeface="Arial"/>
-                <a:ea typeface="Arial"/>
-                <a:cs typeface="Arial"/>
-                <a:sym typeface="Arial"/>
-              </a:rPr>
-              <a:t> </a:t>
-            </a:r>
-            <a:r>
-              <a:rPr lang="en-US" sz="1100" b="0" i="1" u="none" strike="noStrike" cap="none" dirty="0" err="1">
-                <a:solidFill>
-                  <a:srgbClr val="000000"/>
-                </a:solidFill>
-                <a:effectLst/>
-                <a:latin typeface="Arial"/>
-                <a:ea typeface="Arial"/>
-                <a:cs typeface="Arial"/>
-                <a:sym typeface="Arial"/>
-              </a:rPr>
-              <a:t>chúng</a:t>
-            </a:r>
-            <a:r>
-              <a:rPr lang="en-US" sz="1100" b="0" i="1" u="none" strike="noStrike" cap="none" dirty="0">
-                <a:solidFill>
-                  <a:srgbClr val="000000"/>
-                </a:solidFill>
-                <a:effectLst/>
-                <a:latin typeface="Arial"/>
-                <a:ea typeface="Arial"/>
-                <a:cs typeface="Arial"/>
-                <a:sym typeface="Arial"/>
-              </a:rPr>
-              <a:t> ta </a:t>
-            </a:r>
-            <a:r>
-              <a:rPr lang="en-US" sz="1100" b="0" i="1" u="none" strike="noStrike" cap="none" dirty="0" err="1">
-                <a:solidFill>
-                  <a:srgbClr val="000000"/>
-                </a:solidFill>
-                <a:effectLst/>
-                <a:latin typeface="Arial"/>
-                <a:ea typeface="Arial"/>
-                <a:cs typeface="Arial"/>
-                <a:sym typeface="Arial"/>
-              </a:rPr>
-              <a:t>sẽ</a:t>
-            </a:r>
-            <a:r>
-              <a:rPr lang="en-US" sz="1100" b="0" i="1" u="none" strike="noStrike" cap="none" dirty="0">
-                <a:solidFill>
-                  <a:srgbClr val="000000"/>
-                </a:solidFill>
-                <a:effectLst/>
-                <a:latin typeface="Arial"/>
-                <a:ea typeface="Arial"/>
-                <a:cs typeface="Arial"/>
-                <a:sym typeface="Arial"/>
-              </a:rPr>
-              <a:t> </a:t>
-            </a:r>
-            <a:r>
-              <a:rPr lang="en-US" sz="1100" b="0" i="1" u="none" strike="noStrike" cap="none" dirty="0" err="1">
-                <a:solidFill>
-                  <a:srgbClr val="000000"/>
-                </a:solidFill>
-                <a:effectLst/>
-                <a:latin typeface="Arial"/>
-                <a:ea typeface="Arial"/>
-                <a:cs typeface="Arial"/>
-                <a:sym typeface="Arial"/>
-              </a:rPr>
-              <a:t>tiếp</a:t>
-            </a:r>
-            <a:r>
-              <a:rPr lang="en-US" sz="1100" b="0" i="1" u="none" strike="noStrike" cap="none" dirty="0">
-                <a:solidFill>
-                  <a:srgbClr val="000000"/>
-                </a:solidFill>
-                <a:effectLst/>
-                <a:latin typeface="Arial"/>
-                <a:ea typeface="Arial"/>
-                <a:cs typeface="Arial"/>
-                <a:sym typeface="Arial"/>
-              </a:rPr>
-              <a:t> </a:t>
-            </a:r>
-            <a:r>
-              <a:rPr lang="en-US" sz="1100" b="0" i="1" u="none" strike="noStrike" cap="none" dirty="0" err="1">
-                <a:solidFill>
-                  <a:srgbClr val="000000"/>
-                </a:solidFill>
-                <a:effectLst/>
-                <a:latin typeface="Arial"/>
-                <a:ea typeface="Arial"/>
-                <a:cs typeface="Arial"/>
-                <a:sym typeface="Arial"/>
-              </a:rPr>
-              <a:t>tục</a:t>
-            </a:r>
-            <a:r>
-              <a:rPr lang="en-US" sz="1100" b="0" i="1" u="none" strike="noStrike" cap="none" dirty="0">
-                <a:solidFill>
-                  <a:srgbClr val="000000"/>
-                </a:solidFill>
-                <a:effectLst/>
-                <a:latin typeface="Arial"/>
-                <a:ea typeface="Arial"/>
-                <a:cs typeface="Arial"/>
-                <a:sym typeface="Arial"/>
-              </a:rPr>
-              <a:t> </a:t>
-            </a:r>
-            <a:r>
-              <a:rPr lang="en-US" sz="1100" b="0" i="1" u="none" strike="noStrike" cap="none" dirty="0" err="1">
-                <a:solidFill>
-                  <a:srgbClr val="000000"/>
-                </a:solidFill>
-                <a:effectLst/>
-                <a:latin typeface="Arial"/>
-                <a:ea typeface="Arial"/>
-                <a:cs typeface="Arial"/>
-                <a:sym typeface="Arial"/>
-              </a:rPr>
-              <a:t>đi</a:t>
-            </a:r>
-            <a:r>
-              <a:rPr lang="en-US" sz="1100" b="0" i="1" u="none" strike="noStrike" cap="none" dirty="0">
-                <a:solidFill>
-                  <a:srgbClr val="000000"/>
-                </a:solidFill>
-                <a:effectLst/>
-                <a:latin typeface="Arial"/>
-                <a:ea typeface="Arial"/>
-                <a:cs typeface="Arial"/>
-                <a:sym typeface="Arial"/>
-              </a:rPr>
-              <a:t> </a:t>
-            </a:r>
-            <a:r>
-              <a:rPr lang="en-US" sz="1100" b="0" i="1" u="none" strike="noStrike" cap="none" dirty="0" err="1">
-                <a:solidFill>
-                  <a:srgbClr val="000000"/>
-                </a:solidFill>
-                <a:effectLst/>
-                <a:latin typeface="Arial"/>
-                <a:ea typeface="Arial"/>
-                <a:cs typeface="Arial"/>
-                <a:sym typeface="Arial"/>
-              </a:rPr>
-              <a:t>tìm</a:t>
-            </a:r>
-            <a:r>
-              <a:rPr lang="en-US" sz="1100" b="0" i="1" u="none" strike="noStrike" cap="none" dirty="0">
-                <a:solidFill>
-                  <a:srgbClr val="000000"/>
-                </a:solidFill>
-                <a:effectLst/>
-                <a:latin typeface="Arial"/>
-                <a:ea typeface="Arial"/>
-                <a:cs typeface="Arial"/>
-                <a:sym typeface="Arial"/>
-              </a:rPr>
-              <a:t> </a:t>
-            </a:r>
-            <a:r>
-              <a:rPr lang="en-US" sz="1100" b="0" i="1" u="none" strike="noStrike" cap="none" dirty="0" err="1">
-                <a:solidFill>
-                  <a:srgbClr val="000000"/>
-                </a:solidFill>
-                <a:effectLst/>
-                <a:latin typeface="Arial"/>
-                <a:ea typeface="Arial"/>
-                <a:cs typeface="Arial"/>
-                <a:sym typeface="Arial"/>
-              </a:rPr>
-              <a:t>hiểu</a:t>
-            </a:r>
-            <a:r>
-              <a:rPr lang="en-US" sz="1100" b="0" i="1" u="none" strike="noStrike" cap="none" dirty="0">
-                <a:solidFill>
-                  <a:srgbClr val="000000"/>
-                </a:solidFill>
-                <a:effectLst/>
-                <a:latin typeface="Arial"/>
-                <a:ea typeface="Arial"/>
-                <a:cs typeface="Arial"/>
-                <a:sym typeface="Arial"/>
-              </a:rPr>
-              <a:t> </a:t>
-            </a:r>
-            <a:r>
-              <a:rPr lang="en-US" sz="1100" b="0" i="1" u="none" strike="noStrike" cap="none" dirty="0" err="1">
-                <a:solidFill>
-                  <a:srgbClr val="000000"/>
-                </a:solidFill>
-                <a:effectLst/>
-                <a:latin typeface="Arial"/>
-                <a:ea typeface="Arial"/>
-                <a:cs typeface="Arial"/>
-                <a:sym typeface="Arial"/>
-              </a:rPr>
-              <a:t>sâu</a:t>
-            </a:r>
-            <a:r>
-              <a:rPr lang="en-US" sz="1100" b="0" i="1" u="none" strike="noStrike" cap="none" dirty="0">
-                <a:solidFill>
-                  <a:srgbClr val="000000"/>
-                </a:solidFill>
-                <a:effectLst/>
-                <a:latin typeface="Arial"/>
-                <a:ea typeface="Arial"/>
-                <a:cs typeface="Arial"/>
-                <a:sym typeface="Arial"/>
-              </a:rPr>
-              <a:t> h</a:t>
-            </a:r>
-            <a:r>
-              <a:rPr lang="vi-VN" sz="1100" b="0" i="1" u="none" strike="noStrike" cap="none" dirty="0">
-                <a:solidFill>
-                  <a:srgbClr val="000000"/>
-                </a:solidFill>
-                <a:effectLst/>
-                <a:latin typeface="Arial"/>
-                <a:ea typeface="Arial"/>
-                <a:cs typeface="Arial"/>
-                <a:sym typeface="Arial"/>
-              </a:rPr>
-              <a:t>ơ</a:t>
-            </a:r>
-            <a:r>
-              <a:rPr lang="en-US" sz="1100" b="0" i="1" u="none" strike="noStrike" cap="none" dirty="0">
-                <a:solidFill>
-                  <a:srgbClr val="000000"/>
-                </a:solidFill>
-                <a:effectLst/>
-                <a:latin typeface="Arial"/>
-                <a:ea typeface="Arial"/>
-                <a:cs typeface="Arial"/>
-                <a:sym typeface="Arial"/>
-              </a:rPr>
-              <a:t>n </a:t>
-            </a:r>
-            <a:r>
-              <a:rPr lang="en-US" sz="1100" b="0" i="1" u="none" strike="noStrike" cap="none" dirty="0" err="1">
-                <a:solidFill>
-                  <a:srgbClr val="000000"/>
-                </a:solidFill>
-                <a:effectLst/>
-                <a:latin typeface="Arial"/>
-                <a:ea typeface="Arial"/>
-                <a:cs typeface="Arial"/>
-                <a:sym typeface="Arial"/>
-              </a:rPr>
-              <a:t>về</a:t>
-            </a:r>
-            <a:r>
-              <a:rPr lang="en-US" sz="1100" b="0" i="1" u="none" strike="noStrike" cap="none" dirty="0">
-                <a:solidFill>
-                  <a:srgbClr val="000000"/>
-                </a:solidFill>
-                <a:effectLst/>
-                <a:latin typeface="Arial"/>
-                <a:ea typeface="Arial"/>
-                <a:cs typeface="Arial"/>
-                <a:sym typeface="Arial"/>
-              </a:rPr>
-              <a:t> Trigger</a:t>
-            </a:r>
           </a:p>
         </p:txBody>
       </p:sp>
@@ -2154,19 +1343,6 @@
               <a:buFontTx/>
               <a:buNone/>
             </a:pPr>
-            <a:r>
-              <a:rPr lang="vi-VN" sz="1100" b="0" i="0" u="none" strike="noStrike" cap="none" dirty="0">
-                <a:solidFill>
-                  <a:srgbClr val="000000"/>
-                </a:solidFill>
-                <a:effectLst/>
-                <a:latin typeface="Arial"/>
-                <a:ea typeface="Arial"/>
-                <a:cs typeface="Arial"/>
-                <a:sym typeface="Arial"/>
-              </a:rPr>
-              <a:t>EventHubTrigger ứng dụng trong bài toán IoT, ví dụ như xử lý dữ liệu phi cấu trúc nhận được từ các thiết bị IoT thành dữ liệu có cấu trúc và lưu vào cơ sở dữ liệu SQL</a:t>
-            </a:r>
             <a:endParaRPr lang="en-US" sz="1100" b="0" i="1" u="none" strike="noStrike" cap="none" dirty="0">
               <a:solidFill>
                 <a:srgbClr val="000000"/>
@@ -2728,42 +1904,6 @@
               <a:buFontTx/>
               <a:buNone/>
             </a:pPr>
-            <a:r>
-              <a:rPr lang="en-US" dirty="0"/>
-              <a:t>A common way to implement this pattern is to have an HTTP call trigger the long-</a:t>
-            </a:r>
-          </a:p>
-          <a:p>
-            <a:pPr marL="0" lvl="0" indent="0" algn="l" rtl="0">
-              <a:spcBef>
-                <a:spcPts val="0"/>
-              </a:spcBef>
-              <a:spcAft>
-                <a:spcPts val="0"/>
-              </a:spcAft>
-              <a:buFontTx/>
-              <a:buNone/>
-            </a:pPr>
-            <a:r>
-              <a:rPr lang="en-US" dirty="0"/>
-              <a:t>running action, then redirect the client to a status endpoint that they can poll to learn</a:t>
-            </a:r>
-          </a:p>
-          <a:p>
-            <a:pPr marL="0" lvl="0" indent="0" algn="l" rtl="0">
-              <a:spcBef>
-                <a:spcPts val="0"/>
-              </a:spcBef>
-              <a:spcAft>
-                <a:spcPts val="0"/>
-              </a:spcAft>
-              <a:buFontTx/>
-              <a:buNone/>
-            </a:pPr>
-            <a:r>
-              <a:rPr lang="en-US" dirty="0"/>
-              <a:t>when the operation is complete.</a:t>
-            </a:r>
             <a:endParaRPr dirty="0"/>
           </a:p>
         </p:txBody>
@@ -2874,26 +2014,6 @@
               <a:buFontTx/>
               <a:buNone/>
             </a:pPr>
-            <a:r>
-              <a:rPr lang="en-US" dirty="0"/>
-              <a:t>Often the output of one function needs to be applied to the input of another function.</a:t>
-            </a:r>
-          </a:p>
-          <a:p>
-            <a:pPr marL="0" lvl="0" indent="0" algn="l" rtl="0">
-              <a:spcBef>
-                <a:spcPts val="0"/>
-              </a:spcBef>
-              <a:spcAft>
-                <a:spcPts val="0"/>
-              </a:spcAft>
-              <a:buFontTx/>
-              <a:buNone/>
-            </a:pPr>
-            <a:r>
-              <a:rPr lang="en-US" dirty="0"/>
-              <a:t>Durable Functions allows us to implement this pattern concisely in code.</a:t>
-            </a:r>
             <a:endParaRPr dirty="0"/>
           </a:p>
         </p:txBody>
@@ -3108,74 +2228,6 @@
               <a:buFontTx/>
               <a:buNone/>
             </a:pPr>
-            <a:r>
-              <a:rPr lang="en-US" dirty="0"/>
-              <a:t>- Fanning out can be completed with normal functions by having the function send</a:t>
-            </a:r>
-          </a:p>
-          <a:p>
-            <a:pPr marL="0" lvl="0" indent="0" algn="l" rtl="0">
-              <a:spcBef>
-                <a:spcPts val="0"/>
-              </a:spcBef>
-              <a:spcAft>
-                <a:spcPts val="0"/>
-              </a:spcAft>
-              <a:buFontTx/>
-              <a:buNone/>
-            </a:pPr>
-            <a:r>
-              <a:rPr lang="en-US" dirty="0"/>
-              <a:t>multiple messages to a queue.</a:t>
-            </a:r>
-          </a:p>
-          <a:p>
-            <a:pPr marL="0" lvl="0" indent="0" algn="l" rtl="0">
-              <a:spcBef>
-                <a:spcPts val="0"/>
-              </a:spcBef>
-              <a:spcAft>
-                <a:spcPts val="0"/>
-              </a:spcAft>
-              <a:buFontTx/>
-              <a:buNone/>
-            </a:pPr>
-            <a:r>
-              <a:rPr lang="en-US" dirty="0"/>
-              <a:t>- Fanning in is much more difficult because we have to write code to track when</a:t>
-            </a:r>
-          </a:p>
-          <a:p>
-            <a:pPr marL="0" lvl="0" indent="0" algn="l" rtl="0">
-              <a:spcBef>
-                <a:spcPts val="0"/>
-              </a:spcBef>
-              <a:spcAft>
-                <a:spcPts val="0"/>
-              </a:spcAft>
-              <a:buFontTx/>
-              <a:buNone/>
-            </a:pPr>
-            <a:r>
-              <a:rPr lang="en-US" dirty="0"/>
-              <a:t>the queue-triggered functions end and store function outputs.</a:t>
-            </a:r>
-          </a:p>
-          <a:p>
-            <a:pPr marL="0" lvl="0" indent="0" algn="l" rtl="0">
-              <a:spcBef>
-                <a:spcPts val="0"/>
-              </a:spcBef>
-              <a:spcAft>
-                <a:spcPts val="0"/>
-              </a:spcAft>
-              <a:buFontTx/>
-              <a:buNone/>
-            </a:pPr>
-            <a:r>
-              <a:rPr lang="en-US" dirty="0"/>
-              <a:t>=&gt; But durable Functions extension handles this pattern with relatively simple code</a:t>
-            </a:r>
             <a:endParaRPr dirty="0"/>
           </a:p>
         </p:txBody>
@@ -3286,58 +2338,6 @@
               <a:buFontTx/>
               <a:buNone/>
             </a:pPr>
-            <a:r>
-              <a:rPr lang="en-US" dirty="0"/>
-              <a:t>A simple scenario, such as a periodic cleanup job, can be addressed with a regular</a:t>
-            </a:r>
-          </a:p>
-          <a:p>
-            <a:pPr marL="0" lvl="0" indent="0" algn="l" rtl="0">
-              <a:spcBef>
-                <a:spcPts val="0"/>
-              </a:spcBef>
-              <a:spcAft>
-                <a:spcPts val="0"/>
-              </a:spcAft>
-              <a:buFontTx/>
-              <a:buNone/>
-            </a:pPr>
-            <a:r>
-              <a:rPr lang="en-US" dirty="0"/>
-              <a:t>timer-trigger, but its interval is fixed, making managing instance lifetimes difficult.</a:t>
-            </a:r>
-          </a:p>
-          <a:p>
-            <a:pPr marL="0" lvl="0" indent="0" algn="l" rtl="0">
-              <a:spcBef>
-                <a:spcPts val="0"/>
-              </a:spcBef>
-              <a:spcAft>
-                <a:spcPts val="0"/>
-              </a:spcAft>
-              <a:buFontTx/>
-              <a:buNone/>
-            </a:pPr>
-            <a:r>
-              <a:rPr lang="en-US" dirty="0"/>
-              <a:t>Durable Functions enables flexible recurrence intervals, task lifetime management,</a:t>
-            </a:r>
-          </a:p>
-          <a:p>
-            <a:pPr marL="0" lvl="0" indent="0" algn="l" rtl="0">
-              <a:spcBef>
-                <a:spcPts val="0"/>
-              </a:spcBef>
-              <a:spcAft>
-                <a:spcPts val="0"/>
-              </a:spcAft>
-              <a:buFontTx/>
-              <a:buNone/>
-            </a:pPr>
-            <a:r>
-              <a:rPr lang="en-US" dirty="0"/>
-              <a:t>and the ability to create multiple monitor processes from a single orchestration.</a:t>
-            </a:r>
             <a:endParaRPr dirty="0"/>
           </a:p>
         </p:txBody>
@@ -3448,74 +2448,6 @@
               <a:buFontTx/>
               <a:buNone/>
             </a:pPr>
-            <a:r>
-              <a:rPr lang="en-US" dirty="0"/>
-              <a:t>Many automated processes involve some form of human interaction</a:t>
-            </a:r>
-          </a:p>
-          <a:p>
-            <a:pPr marL="0" lvl="0" indent="0" algn="l" rtl="0">
-              <a:spcBef>
-                <a:spcPts val="0"/>
-              </a:spcBef>
-              <a:spcAft>
-                <a:spcPts val="0"/>
-              </a:spcAft>
-              <a:buFontTx/>
-              <a:buNone/>
-            </a:pPr>
-            <a:r>
-              <a:rPr lang="en-US" dirty="0"/>
-              <a:t>Humans are not always as available and responsive as cloud services,</a:t>
-            </a:r>
-          </a:p>
-          <a:p>
-            <a:pPr marL="0" lvl="0" indent="0" algn="l" rtl="0">
-              <a:spcBef>
-                <a:spcPts val="0"/>
-              </a:spcBef>
-              <a:spcAft>
-                <a:spcPts val="0"/>
-              </a:spcAft>
-              <a:buFontTx/>
-              <a:buNone/>
-            </a:pPr>
-            <a:r>
-              <a:rPr lang="en-US" dirty="0"/>
-              <a:t>which makes involving humans in an automated process tricky.</a:t>
-            </a:r>
-          </a:p>
-          <a:p>
-            <a:pPr marL="0" lvl="0" indent="0" algn="l" rtl="0">
-              <a:spcBef>
-                <a:spcPts val="0"/>
-              </a:spcBef>
-              <a:spcAft>
-                <a:spcPts val="0"/>
-              </a:spcAft>
-              <a:buFontTx/>
-              <a:buNone/>
-            </a:pPr>
-            <a:r>
-              <a:rPr lang="en-US" dirty="0"/>
-              <a:t>Automated processes must allow for this, and they often do so by</a:t>
-            </a:r>
-          </a:p>
-          <a:p>
-            <a:pPr marL="0" lvl="0" indent="0" algn="l" rtl="0">
-              <a:spcBef>
-                <a:spcPts val="0"/>
-              </a:spcBef>
-              <a:spcAft>
-                <a:spcPts val="0"/>
-              </a:spcAft>
-              <a:buFontTx/>
-              <a:buNone/>
-            </a:pPr>
-            <a:r>
-              <a:rPr lang="en-US" dirty="0"/>
-              <a:t>using timeouts and compensation logic.</a:t>
-            </a:r>
             <a:endParaRPr dirty="0"/>
           </a:p>
         </p:txBody>
@@ -3626,90 +2558,6 @@
               <a:buFontTx/>
               <a:buNone/>
             </a:pPr>
-            <a:r>
-              <a:rPr lang="en-US" dirty="0"/>
-              <a:t>The Aggregator (stateful entities) pattern is about aggregating</a:t>
-            </a:r>
-          </a:p>
-          <a:p>
-            <a:pPr marL="0" lvl="0" indent="0" algn="l" rtl="0">
-              <a:spcBef>
-                <a:spcPts val="0"/>
-              </a:spcBef>
-              <a:spcAft>
-                <a:spcPts val="0"/>
-              </a:spcAft>
-              <a:buFontTx/>
-              <a:buNone/>
-            </a:pPr>
-            <a:r>
-              <a:rPr lang="en-US" dirty="0"/>
-              <a:t>event data over a period of time into a single, addressable entity.</a:t>
-            </a:r>
-          </a:p>
-          <a:p>
-            <a:pPr marL="0" lvl="0" indent="0" algn="l" rtl="0">
-              <a:spcBef>
-                <a:spcPts val="0"/>
-              </a:spcBef>
-              <a:spcAft>
-                <a:spcPts val="0"/>
-              </a:spcAft>
-              <a:buFontTx/>
-              <a:buNone/>
-            </a:pPr>
-            <a:r>
-              <a:rPr lang="en-US" dirty="0"/>
-              <a:t>The data being aggregated may come from multiple sources, be</a:t>
-            </a:r>
-          </a:p>
-          <a:p>
-            <a:pPr marL="0" lvl="0" indent="0" algn="l" rtl="0">
-              <a:spcBef>
-                <a:spcPts val="0"/>
-              </a:spcBef>
-              <a:spcAft>
-                <a:spcPts val="0"/>
-              </a:spcAft>
-              <a:buFontTx/>
-              <a:buNone/>
-            </a:pPr>
-            <a:r>
-              <a:rPr lang="en-US" dirty="0"/>
-              <a:t>delivered in batches, or may be scattered over long-periods of time</a:t>
-            </a:r>
-          </a:p>
-          <a:p>
-            <a:pPr marL="0" lvl="0" indent="0" algn="l" rtl="0">
-              <a:spcBef>
-                <a:spcPts val="0"/>
-              </a:spcBef>
-              <a:spcAft>
-                <a:spcPts val="0"/>
-              </a:spcAft>
-              <a:buFontTx/>
-              <a:buNone/>
-            </a:pPr>
-            <a:r>
-              <a:rPr lang="en-US" dirty="0"/>
-              <a:t>The aggregator may need to act on event data as it arrives external</a:t>
-            </a:r>
-          </a:p>
-          <a:p>
-            <a:pPr marL="0" lvl="0" indent="0" algn="l" rtl="0">
-              <a:spcBef>
-                <a:spcPts val="0"/>
-              </a:spcBef>
-              <a:spcAft>
-                <a:spcPts val="0"/>
-              </a:spcAft>
-              <a:buFontTx/>
-              <a:buNone/>
-            </a:pPr>
-            <a:r>
-              <a:rPr lang="en-US" dirty="0"/>
-              <a:t>clients may need to query the aggregated data.</a:t>
-            </a:r>
             <a:endParaRPr dirty="0"/>
           </a:p>
         </p:txBody>
@@ -4368,103 +3216,6 @@
               <a:buFontTx/>
               <a:buNone/>
             </a:pPr>
-            <a:r>
-              <a:rPr lang="en-US" dirty="0"/>
-              <a:t>Consumption plan - When your function runs, Azure</a:t>
-            </a:r>
-          </a:p>
-          <a:p>
-            <a:pPr marL="0" lvl="0" indent="0" algn="l" rtl="0">
-              <a:spcBef>
-                <a:spcPts val="0"/>
-              </a:spcBef>
-              <a:spcAft>
-                <a:spcPts val="0"/>
-              </a:spcAft>
-              <a:buFontTx/>
-              <a:buNone/>
-            </a:pPr>
-            <a:r>
-              <a:rPr lang="en-US" dirty="0"/>
-              <a:t>provides all of the necessary computational resources. You</a:t>
-            </a:r>
-          </a:p>
-          <a:p>
-            <a:pPr marL="0" lvl="0" indent="0" algn="l" rtl="0">
-              <a:spcBef>
-                <a:spcPts val="0"/>
-              </a:spcBef>
-              <a:spcAft>
-                <a:spcPts val="0"/>
-              </a:spcAft>
-              <a:buFontTx/>
-              <a:buNone/>
-            </a:pPr>
-            <a:r>
-              <a:rPr lang="en-US" dirty="0"/>
-              <a:t>don't have to worry about resource management, and you</a:t>
-            </a:r>
-          </a:p>
-          <a:p>
-            <a:pPr marL="0" lvl="0" indent="0" algn="l" rtl="0">
-              <a:spcBef>
-                <a:spcPts val="0"/>
-              </a:spcBef>
-              <a:spcAft>
-                <a:spcPts val="0"/>
-              </a:spcAft>
-              <a:buFontTx/>
-              <a:buNone/>
-            </a:pPr>
-            <a:r>
-              <a:rPr lang="en-US" dirty="0"/>
-              <a:t>only pay for the time that your code runs.</a:t>
-            </a:r>
-          </a:p>
-          <a:p>
-            <a:pPr marL="0" lvl="0" indent="0" algn="l" rtl="0">
-              <a:spcBef>
-                <a:spcPts val="0"/>
-              </a:spcBef>
-              <a:spcAft>
-                <a:spcPts val="0"/>
-              </a:spcAft>
-              <a:buFontTx/>
-              <a:buNone/>
-            </a:pPr>
-            <a:endParaRPr lang="en-US" dirty="0"/>
-          </a:p>
-          <a:p>
-            <a:pPr marL="0" lvl="0" indent="0" algn="l" rtl="0">
-              <a:spcBef>
-                <a:spcPts val="0"/>
-              </a:spcBef>
-              <a:spcAft>
-                <a:spcPts val="0"/>
-              </a:spcAft>
-              <a:buFontTx/>
-              <a:buNone/>
-            </a:pPr>
-            <a:r>
-              <a:rPr lang="en-US" dirty="0"/>
-              <a:t>- Consumption Plan pricing includes a monthly free grant of 1 million</a:t>
-            </a:r>
-          </a:p>
-          <a:p>
-            <a:pPr marL="0" lvl="0" indent="0" algn="l" rtl="0">
-              <a:spcBef>
-                <a:spcPts val="0"/>
-              </a:spcBef>
-              <a:spcAft>
-                <a:spcPts val="0"/>
-              </a:spcAft>
-              <a:buFontTx/>
-              <a:buNone/>
-            </a:pPr>
-            <a:r>
-              <a:rPr lang="en-US" dirty="0"/>
-              <a:t>requests and 400,000 GB-s of resource consumption per month:</a:t>
-            </a:r>
             <a:endParaRPr dirty="0"/>
           </a:p>
         </p:txBody>
@@ -4574,78 +3325,6 @@
               </a:spcAft>
               <a:buNone/>
             </a:pPr>
-            <a:r>
-              <a:rPr lang="en-US" dirty="0" err="1"/>
-              <a:t>Vì</a:t>
-            </a:r>
-            <a:r>
-              <a:rPr lang="en-US" dirty="0"/>
-              <a:t> Azure Function </a:t>
-            </a:r>
-            <a:r>
-              <a:rPr lang="en-US" dirty="0" err="1"/>
-              <a:t>là</a:t>
-            </a:r>
-            <a:r>
-              <a:rPr lang="en-US" dirty="0"/>
-              <a:t> </a:t>
-            </a:r>
-            <a:r>
-              <a:rPr lang="en-US" dirty="0" err="1"/>
-              <a:t>một</a:t>
-            </a:r>
-            <a:r>
-              <a:rPr lang="en-US" dirty="0"/>
-              <a:t> </a:t>
-            </a:r>
-            <a:r>
-              <a:rPr lang="en-US" dirty="0" err="1"/>
-              <a:t>phần</a:t>
-            </a:r>
-            <a:r>
-              <a:rPr lang="en-US" dirty="0"/>
-              <a:t> </a:t>
-            </a:r>
-            <a:r>
-              <a:rPr lang="en-US" dirty="0" err="1"/>
-              <a:t>của</a:t>
-            </a:r>
-            <a:r>
-              <a:rPr lang="en-US" dirty="0"/>
-              <a:t> </a:t>
-            </a:r>
-            <a:r>
-              <a:rPr lang="en-US" dirty="0" err="1"/>
-              <a:t>hệ</a:t>
-            </a:r>
-            <a:r>
-              <a:rPr lang="en-US" dirty="0"/>
-              <a:t> </a:t>
-            </a:r>
-            <a:r>
-              <a:rPr lang="en-US" dirty="0" err="1"/>
-              <a:t>sinht</a:t>
-            </a:r>
-            <a:r>
-              <a:rPr lang="en-US" dirty="0"/>
-              <a:t> </a:t>
-            </a:r>
-            <a:r>
-              <a:rPr lang="en-US" dirty="0" err="1"/>
-              <a:t>hái</a:t>
-            </a:r>
-            <a:r>
-              <a:rPr lang="en-US" dirty="0"/>
-              <a:t> Azure Cloud =&gt; overview </a:t>
-            </a:r>
-            <a:r>
-              <a:rPr lang="en-US" dirty="0" err="1"/>
-              <a:t>nhanh</a:t>
-            </a:r>
-            <a:r>
-              <a:rPr lang="en-US" dirty="0"/>
-              <a:t> qua Azure Cloud</a:t>
-            </a:r>
             <a:endParaRPr dirty="0"/>
           </a:p>
         </p:txBody>
@@ -4851,210 +3530,16 @@
           </a:bodyPr>
           <a:lstStyle/>
           <a:p>
-            <a:pPr marL="0" lvl="0" indent="0" algn="l" rtl="0">
-              <a:spcBef>
-                <a:spcPts val="0"/>
-              </a:spcBef>
-              <a:spcAft>
-                <a:spcPts val="0"/>
-              </a:spcAft>
-              <a:buFontTx/>
-              <a:buNone/>
-            </a:pPr>
-            <a:r>
-              <a:rPr lang="en-US" dirty="0"/>
-              <a:t>App Service plan - Run your functions just like your web,</a:t>
-            </a:r>
-          </a:p>
-          <a:p>
-            <a:pPr marL="0" lvl="0" indent="0" algn="l" rtl="0">
-              <a:spcBef>
-                <a:spcPts val="0"/>
-              </a:spcBef>
-              <a:spcAft>
-                <a:spcPts val="0"/>
-              </a:spcAft>
-              <a:buFontTx/>
-              <a:buNone/>
-            </a:pPr>
-            <a:r>
-              <a:rPr lang="en-US" dirty="0"/>
-              <a:t>mobile, and API apps. When you're already using App</a:t>
-            </a:r>
-          </a:p>
-          <a:p>
-            <a:pPr marL="0" lvl="0" indent="0" algn="l" rtl="0">
-              <a:spcBef>
-                <a:spcPts val="0"/>
-              </a:spcBef>
-              <a:spcAft>
-                <a:spcPts val="0"/>
-              </a:spcAft>
-              <a:buFontTx/>
-              <a:buNone/>
-            </a:pPr>
-            <a:r>
-              <a:rPr lang="en-US" dirty="0"/>
-              <a:t>Service for your other applications, you can also run your</a:t>
-            </a:r>
-          </a:p>
-          <a:p>
-            <a:pPr marL="0" lvl="0" indent="0" algn="l" rtl="0">
-              <a:spcBef>
-                <a:spcPts val="0"/>
-              </a:spcBef>
-              <a:spcAft>
-                <a:spcPts val="0"/>
-              </a:spcAft>
-              <a:buFontTx/>
-              <a:buNone/>
-            </a:pPr>
-            <a:r>
-              <a:rPr lang="en-US" dirty="0"/>
-              <a:t>functions on the same plan at no additional cost.</a:t>
-            </a:r>
-          </a:p>
-          <a:p>
-            <a:pPr marL="0" lvl="0" indent="0" algn="l" rtl="0">
-              <a:spcBef>
-                <a:spcPts val="0"/>
-              </a:spcBef>
-              <a:spcAft>
-                <a:spcPts val="0"/>
-              </a:spcAft>
-              <a:buFontTx/>
-              <a:buNone/>
-            </a:pPr>
-            <a:endParaRPr lang="en-US" dirty="0"/>
-          </a:p>
-          <a:p>
-            <a:pPr marL="0" lvl="0" indent="0" algn="l" rtl="0">
-              <a:spcBef>
-                <a:spcPts val="0"/>
-              </a:spcBef>
-              <a:spcAft>
-                <a:spcPts val="0"/>
-              </a:spcAft>
-              <a:buFontTx/>
-              <a:buNone/>
-            </a:pPr>
-            <a:r>
-              <a:rPr lang="en-US" dirty="0"/>
-              <a:t>- Your functions run on dedicated VMS</a:t>
-            </a:r>
-          </a:p>
-          <a:p>
-            <a:pPr marL="0" lvl="0" indent="0" algn="l" rtl="0">
-              <a:spcBef>
-                <a:spcPts val="0"/>
-              </a:spcBef>
-              <a:spcAft>
-                <a:spcPts val="0"/>
-              </a:spcAft>
-              <a:buFontTx/>
-              <a:buNone/>
-            </a:pPr>
-            <a:r>
-              <a:rPr lang="en-US" dirty="0"/>
-              <a:t>Dedicated VM's are allocated to your App Service apps and</a:t>
-            </a:r>
-          </a:p>
-          <a:p>
-            <a:pPr marL="0" lvl="0" indent="0" algn="l" rtl="0">
-              <a:spcBef>
-                <a:spcPts val="0"/>
-              </a:spcBef>
-              <a:spcAft>
-                <a:spcPts val="0"/>
-              </a:spcAft>
-              <a:buFontTx/>
-              <a:buNone/>
-            </a:pPr>
-            <a:r>
-              <a:rPr lang="en-US" dirty="0"/>
-              <a:t>function apps are always available whether code is actively</a:t>
-            </a:r>
-          </a:p>
-          <a:p>
-            <a:pPr marL="0" lvl="0" indent="0" algn="l" rtl="0">
-              <a:spcBef>
-                <a:spcPts val="0"/>
-              </a:spcBef>
-              <a:spcAft>
-                <a:spcPts val="0"/>
-              </a:spcAft>
-              <a:buFontTx/>
-              <a:buNone/>
-            </a:pPr>
-            <a:r>
-              <a:rPr lang="en-US" dirty="0"/>
-              <a:t>running or not</a:t>
-            </a:r>
-          </a:p>
-          <a:p>
-            <a:pPr marL="0" lvl="0" indent="0" algn="l" rtl="0">
-              <a:spcBef>
-                <a:spcPts val="0"/>
-              </a:spcBef>
-              <a:spcAft>
-                <a:spcPts val="0"/>
-              </a:spcAft>
-              <a:buFontTx/>
-              <a:buNone/>
-            </a:pPr>
-            <a:r>
-              <a:rPr lang="en-US" dirty="0"/>
-              <a:t>Good option if you have under utilized VMS</a:t>
-            </a:r>
-          </a:p>
-          <a:p>
-            <a:pPr marL="0" lvl="0" indent="0" algn="l" rtl="0">
-              <a:spcBef>
-                <a:spcPts val="0"/>
-              </a:spcBef>
-              <a:spcAft>
-                <a:spcPts val="0"/>
-              </a:spcAft>
-              <a:buFontTx/>
-              <a:buNone/>
-            </a:pPr>
-            <a:r>
-              <a:rPr lang="en-US" dirty="0"/>
-              <a:t>A VM decouples the cost from both runtime and memory</a:t>
-            </a:r>
-          </a:p>
-          <a:p>
-            <a:pPr marL="0" lvl="0" indent="0" algn="l" rtl="0">
-              <a:spcBef>
-                <a:spcPts val="0"/>
-              </a:spcBef>
-              <a:spcAft>
-                <a:spcPts val="0"/>
-              </a:spcAft>
-              <a:buFontTx/>
-              <a:buNone/>
-            </a:pPr>
-            <a:r>
-              <a:rPr lang="en-US" dirty="0"/>
-              <a:t>size — you can limit the cost for long- running functions to</a:t>
-            </a:r>
-          </a:p>
-          <a:p>
-            <a:pPr marL="0" lvl="0" indent="0" algn="l" rtl="0">
-              <a:spcBef>
-                <a:spcPts val="0"/>
-              </a:spcBef>
-              <a:spcAft>
-                <a:spcPts val="0"/>
-              </a:spcAft>
-              <a:buFontTx/>
-              <a:buNone/>
-            </a:pPr>
-            <a:r>
-              <a:rPr lang="en-US" dirty="0"/>
-              <a:t>the cost of the VMS they run on</a:t>
-            </a:r>
-            <a:endParaRPr dirty="0"/>
+            <a:endParaRPr lang="en-US" sz="1100" b="0" i="0" u="none" strike="noStrike" cap="none" dirty="0">
+              <a:solidFill>
+                <a:srgbClr val="000000"/>
+              </a:solidFill>
+              <a:effectLst/>
+              <a:latin typeface="Arial"/>
+              <a:ea typeface="Arial"/>
+              <a:cs typeface="Arial"/>
+              <a:sym typeface="Arial"/>
+            </a:endParaRPr>
           </a:p>
         </p:txBody>
       </p:sp>
@@ -5377,65 +3862,7 @@
               <a:buFontTx/>
               <a:buNone/>
             </a:pPr>
-            <a:r>
-              <a:rPr lang="en-US" dirty="0"/>
-              <a:t>- It is a serverless compute service of Microsoft Azure</a:t>
-            </a:r>
-            <a:br>
-              <a:rPr lang="en-US" dirty="0"/>
-            </a:br>
-            <a:r>
-              <a:rPr lang="en-US" dirty="0"/>
-              <a:t>	*</a:t>
-            </a:r>
-            <a:r>
-              <a:rPr lang="en-US" dirty="0" err="1"/>
-              <a:t>Giới</a:t>
-            </a:r>
-            <a:r>
-              <a:rPr lang="en-US" dirty="0"/>
-              <a:t> </a:t>
-            </a:r>
-            <a:r>
-              <a:rPr lang="en-US" dirty="0" err="1"/>
-              <a:t>thiệu</a:t>
-            </a:r>
-            <a:r>
-              <a:rPr lang="en-US" dirty="0"/>
-              <a:t> </a:t>
-            </a:r>
-            <a:r>
-              <a:rPr lang="en-US" dirty="0" err="1"/>
-              <a:t>nhanh</a:t>
-            </a:r>
-            <a:r>
-              <a:rPr lang="en-US" dirty="0"/>
-              <a:t> qua Azure: </a:t>
-            </a:r>
-            <a:r>
-              <a:rPr lang="en-US" dirty="0" err="1"/>
-              <a:t>Là</a:t>
-            </a:r>
-            <a:r>
-              <a:rPr lang="en-US" dirty="0"/>
-              <a:t> </a:t>
-            </a:r>
-            <a:r>
-              <a:rPr lang="en-US" dirty="0" err="1"/>
-              <a:t>một</a:t>
-            </a:r>
-            <a:r>
-              <a:rPr lang="en-US" dirty="0"/>
-              <a:t> computing cloud </a:t>
-            </a:r>
-            <a:r>
-              <a:rPr lang="en-US" dirty="0" err="1"/>
-              <a:t>của</a:t>
-            </a:r>
-            <a:r>
-              <a:rPr lang="en-US" dirty="0"/>
-              <a:t> Microsoft</a:t>
-            </a:r>
+            <a:endParaRPr lang="en-US" dirty="0"/>
           </a:p>
         </p:txBody>
       </p:sp>
@@ -5759,226 +4186,6 @@
               <a:buFontTx/>
               <a:buNone/>
             </a:pPr>
-            <a:r>
-              <a:rPr lang="en-US" dirty="0"/>
-              <a:t>Azure Function </a:t>
-            </a:r>
-            <a:r>
-              <a:rPr lang="en-US" dirty="0" err="1"/>
-              <a:t>là</a:t>
-            </a:r>
-            <a:r>
-              <a:rPr lang="en-US" dirty="0"/>
-              <a:t> 1 service </a:t>
-            </a:r>
-            <a:r>
-              <a:rPr lang="en-US" dirty="0" err="1"/>
-              <a:t>của</a:t>
-            </a:r>
-            <a:r>
-              <a:rPr lang="en-US" dirty="0"/>
-              <a:t> Azure cloud đ</a:t>
-            </a:r>
-            <a:r>
-              <a:rPr lang="vi-VN" dirty="0"/>
-              <a:t>ư</a:t>
-            </a:r>
-            <a:r>
-              <a:rPr lang="en-US" dirty="0" err="1"/>
-              <a:t>ợc</a:t>
-            </a:r>
-            <a:r>
-              <a:rPr lang="en-US" dirty="0"/>
-              <a:t> </a:t>
-            </a:r>
-            <a:r>
-              <a:rPr lang="en-US" dirty="0" err="1"/>
-              <a:t>cung</a:t>
-            </a:r>
-            <a:r>
-              <a:rPr lang="en-US" dirty="0"/>
-              <a:t> </a:t>
-            </a:r>
-            <a:r>
-              <a:rPr lang="en-US" dirty="0" err="1"/>
-              <a:t>cấp</a:t>
-            </a:r>
-            <a:r>
-              <a:rPr lang="en-US" dirty="0"/>
-              <a:t> </a:t>
-            </a:r>
-            <a:r>
-              <a:rPr lang="en-US" dirty="0" err="1"/>
-              <a:t>theo</a:t>
-            </a:r>
-            <a:r>
-              <a:rPr lang="en-US" dirty="0"/>
-              <a:t> </a:t>
-            </a:r>
-            <a:r>
-              <a:rPr lang="en-US" dirty="0" err="1"/>
-              <a:t>kiến</a:t>
-            </a:r>
-            <a:r>
-              <a:rPr lang="en-US" dirty="0"/>
-              <a:t> </a:t>
-            </a:r>
-            <a:r>
-              <a:rPr lang="en-US" dirty="0" err="1"/>
-              <a:t>trúc</a:t>
-            </a:r>
-            <a:r>
-              <a:rPr lang="en-US" dirty="0"/>
-              <a:t> </a:t>
-            </a:r>
-            <a:r>
-              <a:rPr lang="en-US" dirty="0" err="1"/>
-              <a:t>FaaS</a:t>
-            </a:r>
-            <a:r>
-              <a:rPr lang="en-US" dirty="0"/>
-              <a:t> =&gt; Dev ko </a:t>
-            </a:r>
-            <a:r>
-              <a:rPr lang="en-US" dirty="0" err="1"/>
-              <a:t>cần</a:t>
-            </a:r>
-            <a:r>
-              <a:rPr lang="en-US" dirty="0"/>
-              <a:t> handle physical hardware, OS, software,…. </a:t>
-            </a:r>
-            <a:r>
-              <a:rPr lang="en-US" dirty="0" err="1"/>
-              <a:t>Chỉ</a:t>
-            </a:r>
-            <a:r>
-              <a:rPr lang="en-US" dirty="0"/>
-              <a:t> </a:t>
-            </a:r>
-            <a:r>
-              <a:rPr lang="en-US" dirty="0" err="1"/>
-              <a:t>cần</a:t>
-            </a:r>
-            <a:r>
-              <a:rPr lang="en-US" dirty="0"/>
-              <a:t> </a:t>
-            </a:r>
-            <a:r>
-              <a:rPr lang="en-US" dirty="0" err="1"/>
-              <a:t>tập</a:t>
-            </a:r>
-            <a:r>
-              <a:rPr lang="en-US" dirty="0"/>
-              <a:t> </a:t>
-            </a:r>
-            <a:r>
-              <a:rPr lang="en-US" dirty="0" err="1"/>
-              <a:t>trung</a:t>
-            </a:r>
-            <a:r>
-              <a:rPr lang="en-US" dirty="0"/>
-              <a:t> </a:t>
-            </a:r>
-            <a:r>
-              <a:rPr lang="en-US" dirty="0" err="1"/>
-              <a:t>vào</a:t>
-            </a:r>
-            <a:r>
-              <a:rPr lang="en-US" dirty="0"/>
-              <a:t> code </a:t>
-            </a:r>
-            <a:r>
-              <a:rPr lang="en-US" dirty="0" err="1"/>
-              <a:t>sao</a:t>
-            </a:r>
-            <a:r>
-              <a:rPr lang="en-US" dirty="0"/>
-              <a:t> </a:t>
-            </a:r>
-            <a:r>
-              <a:rPr lang="en-US" dirty="0" err="1"/>
-              <a:t>cho</a:t>
-            </a:r>
-            <a:r>
-              <a:rPr lang="en-US" dirty="0"/>
-              <a:t> </a:t>
-            </a:r>
-            <a:r>
-              <a:rPr lang="en-US" dirty="0" err="1"/>
-              <a:t>tinh</a:t>
-            </a:r>
-            <a:r>
-              <a:rPr lang="en-US" dirty="0"/>
-              <a:t> </a:t>
-            </a:r>
-            <a:r>
-              <a:rPr lang="en-US" dirty="0" err="1"/>
-              <a:t>gọn</a:t>
-            </a:r>
-            <a:r>
-              <a:rPr lang="en-US" dirty="0"/>
-              <a:t>, </a:t>
-            </a:r>
-            <a:r>
-              <a:rPr lang="en-US" dirty="0" err="1"/>
-              <a:t>hiệu</a:t>
-            </a:r>
-            <a:r>
-              <a:rPr lang="en-US" dirty="0"/>
-              <a:t> </a:t>
-            </a:r>
-            <a:r>
-              <a:rPr lang="en-US" dirty="0" err="1"/>
-              <a:t>quả</a:t>
-            </a:r>
-            <a:r>
-              <a:rPr lang="en-US" dirty="0"/>
-              <a:t> </a:t>
-            </a:r>
-            <a:r>
-              <a:rPr lang="en-US" dirty="0" err="1"/>
-              <a:t>và</a:t>
-            </a:r>
-            <a:r>
-              <a:rPr lang="en-US" dirty="0"/>
-              <a:t> </a:t>
-            </a:r>
-            <a:r>
-              <a:rPr lang="en-US" dirty="0" err="1"/>
-              <a:t>hiệu</a:t>
-            </a:r>
-            <a:r>
-              <a:rPr lang="en-US" dirty="0"/>
-              <a:t> </a:t>
-            </a:r>
-            <a:r>
-              <a:rPr lang="en-US" dirty="0" err="1"/>
-              <a:t>suất</a:t>
-            </a:r>
-            <a:r>
-              <a:rPr lang="en-US" dirty="0"/>
-              <a:t> </a:t>
-            </a:r>
-            <a:r>
-              <a:rPr lang="en-US" dirty="0" err="1"/>
-              <a:t>nhất</a:t>
-            </a:r>
-            <a:r>
-              <a:rPr lang="en-US" dirty="0"/>
-              <a:t> </a:t>
-            </a:r>
-            <a:r>
-              <a:rPr lang="en-US" dirty="0" err="1"/>
-              <a:t>có</a:t>
-            </a:r>
-            <a:r>
-              <a:rPr lang="en-US" dirty="0"/>
-              <a:t> </a:t>
-            </a:r>
-            <a:r>
-              <a:rPr lang="en-US" dirty="0" err="1"/>
-              <a:t>thể</a:t>
-            </a:r>
             <a:endParaRPr dirty="0"/>
           </a:p>
         </p:txBody>
@@ -6199,162 +4406,6 @@
               <a:buFontTx/>
               <a:buNone/>
             </a:pPr>
-            <a:r>
-              <a:rPr lang="en-US" dirty="0"/>
-              <a:t>Concept </a:t>
-            </a:r>
-            <a:r>
-              <a:rPr lang="en-US" dirty="0" err="1"/>
-              <a:t>chính</a:t>
-            </a:r>
-            <a:r>
-              <a:rPr lang="en-US" dirty="0"/>
-              <a:t> </a:t>
-            </a:r>
-            <a:r>
-              <a:rPr lang="en-US" dirty="0" err="1"/>
-              <a:t>của</a:t>
-            </a:r>
-            <a:r>
-              <a:rPr lang="en-US" dirty="0"/>
-              <a:t> azure </a:t>
-            </a:r>
-            <a:r>
-              <a:rPr lang="en-US" dirty="0" err="1"/>
-              <a:t>fuction</a:t>
-            </a:r>
-            <a:r>
-              <a:rPr lang="en-US" dirty="0"/>
-              <a:t> </a:t>
-            </a:r>
-            <a:r>
-              <a:rPr lang="en-US" dirty="0" err="1"/>
-              <a:t>là</a:t>
-            </a:r>
-            <a:r>
-              <a:rPr lang="en-US" dirty="0"/>
-              <a:t> trigger </a:t>
-            </a:r>
-            <a:r>
-              <a:rPr lang="en-US" dirty="0" err="1"/>
-              <a:t>và</a:t>
-            </a:r>
-            <a:r>
-              <a:rPr lang="en-US" dirty="0"/>
-              <a:t> bindings. </a:t>
-            </a:r>
-            <a:r>
-              <a:rPr lang="en-US" dirty="0" err="1"/>
-              <a:t>Nó</a:t>
-            </a:r>
-            <a:r>
-              <a:rPr lang="en-US" dirty="0"/>
-              <a:t> </a:t>
-            </a:r>
-            <a:r>
-              <a:rPr lang="en-US" dirty="0" err="1"/>
-              <a:t>giúp</a:t>
-            </a:r>
-            <a:r>
-              <a:rPr lang="en-US" dirty="0"/>
-              <a:t> </a:t>
-            </a:r>
-            <a:r>
-              <a:rPr lang="en-US" dirty="0" err="1"/>
-              <a:t>bạn</a:t>
-            </a:r>
-            <a:r>
-              <a:rPr lang="en-US" dirty="0"/>
-              <a:t> ko </a:t>
-            </a:r>
-            <a:r>
-              <a:rPr lang="en-US" dirty="0" err="1"/>
-              <a:t>phải</a:t>
-            </a:r>
-            <a:r>
-              <a:rPr lang="en-US" dirty="0"/>
-              <a:t> hard code </a:t>
-            </a:r>
-            <a:r>
-              <a:rPr lang="en-US" dirty="0" err="1"/>
-              <a:t>các</a:t>
-            </a:r>
-            <a:r>
-              <a:rPr lang="en-US" dirty="0"/>
-              <a:t> access </a:t>
-            </a:r>
-            <a:r>
-              <a:rPr lang="en-US" dirty="0" err="1"/>
-              <a:t>vào</a:t>
-            </a:r>
-            <a:r>
-              <a:rPr lang="en-US" dirty="0"/>
-              <a:t> </a:t>
-            </a:r>
-            <a:r>
-              <a:rPr lang="en-US" dirty="0" err="1"/>
-              <a:t>các</a:t>
-            </a:r>
-            <a:r>
-              <a:rPr lang="en-US" dirty="0"/>
-              <a:t> data </a:t>
-            </a:r>
-            <a:r>
-              <a:rPr lang="en-US" dirty="0" err="1"/>
-              <a:t>hoặc</a:t>
-            </a:r>
-            <a:r>
-              <a:rPr lang="en-US" dirty="0"/>
-              <a:t> services. </a:t>
-            </a:r>
-            <a:r>
-              <a:rPr lang="en-US" dirty="0" err="1"/>
-              <a:t>Từ</a:t>
-            </a:r>
-            <a:r>
-              <a:rPr lang="en-US" dirty="0"/>
-              <a:t> </a:t>
-            </a:r>
-            <a:r>
-              <a:rPr lang="en-US" dirty="0" err="1"/>
-              <a:t>đó</a:t>
-            </a:r>
-            <a:r>
-              <a:rPr lang="en-US" dirty="0"/>
-              <a:t> </a:t>
-            </a:r>
-            <a:r>
-              <a:rPr lang="en-US" dirty="0" err="1"/>
-              <a:t>giúp</a:t>
-            </a:r>
-            <a:r>
-              <a:rPr lang="en-US" dirty="0"/>
-              <a:t> code </a:t>
-            </a:r>
-            <a:r>
-              <a:rPr lang="en-US" dirty="0" err="1"/>
-              <a:t>của</a:t>
-            </a:r>
-            <a:r>
-              <a:rPr lang="en-US" dirty="0"/>
-              <a:t> </a:t>
-            </a:r>
-            <a:r>
-              <a:rPr lang="en-US" dirty="0" err="1"/>
-              <a:t>bạn</a:t>
-            </a:r>
-            <a:r>
-              <a:rPr lang="en-US" dirty="0"/>
-              <a:t> lean h</a:t>
-            </a:r>
-            <a:r>
-              <a:rPr lang="vi-VN" dirty="0"/>
-              <a:t>ơ</a:t>
-            </a:r>
-            <a:r>
-              <a:rPr lang="en-US" dirty="0"/>
-              <a:t>n</a:t>
-            </a:r>
             <a:endParaRPr dirty="0"/>
           </a:p>
         </p:txBody>
@@ -21988,7 +20039,7 @@
 
 <file path=ppt/tags/tag1.xml><?xml version="1.0" encoding="utf-8"?>
 <p:tagLst xmlns:a="http://schemas.openxmlformats.org/drawingml/2006/main" xmlns:r="http://schemas.openxmlformats.org/officeDocument/2006/relationships" xmlns:p="http://schemas.openxmlformats.org/presentationml/2006/main">
-  <p:tag name="WR_METADATA_KEY" val="68849806-430b-4cdc-85a5-eccc9571c2c4"/>
+  <p:tag name="WR_METADATA_KEY" val="bfeff145-2e06-4056-a54d-3357e567cf81"/>
 </p:tagLst>
 </file>
 
